--- a/Presentation_Data_Science.pptx
+++ b/Presentation_Data_Science.pptx
@@ -36,28 +36,31 @@
     <p:sldId id="281" r:id="rId32"/>
     <p:sldId id="282" r:id="rId33"/>
     <p:sldId id="283" r:id="rId34"/>
+    <p:sldId id="284" r:id="rId35"/>
+    <p:sldId id="285" r:id="rId36"/>
+    <p:sldId id="286" r:id="rId37"/>
   </p:sldIdLst>
   <p:sldSz cy="5143500" cx="9144000"/>
   <p:notesSz cx="6858000" cy="9144000"/>
   <p:embeddedFontLst>
     <p:embeddedFont>
       <p:font typeface="Roboto"/>
-      <p:regular r:id="rId35"/>
-      <p:bold r:id="rId36"/>
-      <p:italic r:id="rId37"/>
-      <p:boldItalic r:id="rId38"/>
+      <p:regular r:id="rId38"/>
+      <p:bold r:id="rId39"/>
+      <p:italic r:id="rId40"/>
+      <p:boldItalic r:id="rId41"/>
     </p:embeddedFont>
     <p:embeddedFont>
       <p:font typeface="PT Sans Narrow"/>
-      <p:regular r:id="rId39"/>
-      <p:bold r:id="rId40"/>
+      <p:regular r:id="rId42"/>
+      <p:bold r:id="rId43"/>
     </p:embeddedFont>
     <p:embeddedFont>
       <p:font typeface="Open Sans"/>
-      <p:regular r:id="rId41"/>
-      <p:bold r:id="rId42"/>
-      <p:italic r:id="rId43"/>
-      <p:boldItalic r:id="rId44"/>
+      <p:regular r:id="rId44"/>
+      <p:bold r:id="rId45"/>
+      <p:italic r:id="rId46"/>
+      <p:boldItalic r:id="rId47"/>
     </p:embeddedFont>
   </p:embeddedFontLst>
   <p:defaultTextStyle>
@@ -2733,7 +2736,7 @@
       </p:grpSpPr>
       <p:sp>
         <p:nvSpPr>
-          <p:cNvPr id="298" name="Google Shape;298;gca424067e2_0_25:notes"/>
+          <p:cNvPr id="298" name="Google Shape;298;gdfd31b2cc6_0_0:notes"/>
           <p:cNvSpPr/>
           <p:nvPr>
             <p:ph idx="2" type="sldImg"/>
@@ -2768,7 +2771,106 @@
       </p:sp>
       <p:sp>
         <p:nvSpPr>
-          <p:cNvPr id="299" name="Google Shape;299;gca424067e2_0_25:notes"/>
+          <p:cNvPr id="299" name="Google Shape;299;gdfd31b2cc6_0_0:notes"/>
+          <p:cNvSpPr txBox="1"/>
+          <p:nvPr>
+            <p:ph idx="1" type="body"/>
+          </p:nvPr>
+        </p:nvSpPr>
+        <p:spPr>
+          <a:xfrm>
+            <a:off x="685800" y="4343400"/>
+            <a:ext cx="5486400" cy="4114800"/>
+          </a:xfrm>
+          <a:prstGeom prst="rect">
+            <a:avLst/>
+          </a:prstGeom>
+        </p:spPr>
+        <p:txBody>
+          <a:bodyPr anchorCtr="0" anchor="t" bIns="91425" lIns="91425" spcFirstLastPara="1" rIns="91425" wrap="square" tIns="91425">
+            <a:noAutofit/>
+          </a:bodyPr>
+          <a:lstStyle/>
+          <a:p>
+            <a:pPr indent="0" lvl="0" marL="0" rtl="0" algn="l">
+              <a:spcBef>
+                <a:spcPts val="0"/>
+              </a:spcBef>
+              <a:spcAft>
+                <a:spcPts val="0"/>
+              </a:spcAft>
+              <a:buNone/>
+            </a:pPr>
+            <a:r>
+              <a:t/>
+            </a:r>
+            <a:endParaRPr/>
+          </a:p>
+        </p:txBody>
+      </p:sp>
+    </p:spTree>
+  </p:cSld>
+  <p:clrMapOvr>
+    <a:masterClrMapping/>
+  </p:clrMapOvr>
+</p:notes>
+</file>
+
+<file path=ppt/notesSlides/notesSlide29.xml><?xml version="1.0" encoding="utf-8"?>
+<p:notes xmlns:a="http://schemas.openxmlformats.org/drawingml/2006/main" xmlns:r="http://schemas.openxmlformats.org/officeDocument/2006/relationships" xmlns:mc="http://schemas.openxmlformats.org/markup-compatibility/2006" xmlns:mv="urn:schemas-microsoft-com:mac:vml" xmlns:p="http://schemas.openxmlformats.org/presentationml/2006/main" xmlns:c="http://schemas.openxmlformats.org/drawingml/2006/chart" xmlns:dgm="http://schemas.openxmlformats.org/drawingml/2006/diagram" xmlns:o="urn:schemas-microsoft-com:office:office" xmlns:v="urn:schemas-microsoft-com:vml" xmlns:pvml="urn:schemas-microsoft-com:office:powerpoint" xmlns:com="http://schemas.openxmlformats.org/drawingml/2006/compatibility" xmlns:p14="http://schemas.microsoft.com/office/powerpoint/2010/main" xmlns:p15="http://schemas.microsoft.com/office/powerpoint/2012/main" xmlns:ahyp="http://schemas.microsoft.com/office/drawing/2018/hyperlinkcolor" showMasterPhAnim="0" showMasterSp="0">
+  <p:cSld>
+    <p:spTree>
+      <p:nvGrpSpPr>
+        <p:cNvPr id="304" name="Shape 304"/>
+        <p:cNvGrpSpPr/>
+        <p:nvPr/>
+      </p:nvGrpSpPr>
+      <p:grpSpPr>
+        <a:xfrm>
+          <a:off x="0" y="0"/>
+          <a:ext cx="0" cy="0"/>
+          <a:chOff x="0" y="0"/>
+          <a:chExt cx="0" cy="0"/>
+        </a:xfrm>
+      </p:grpSpPr>
+      <p:sp>
+        <p:nvSpPr>
+          <p:cNvPr id="305" name="Google Shape;305;gdfd31b2cc6_0_6:notes"/>
+          <p:cNvSpPr/>
+          <p:nvPr>
+            <p:ph idx="2" type="sldImg"/>
+          </p:nvPr>
+        </p:nvSpPr>
+        <p:spPr>
+          <a:xfrm>
+            <a:off x="381300" y="685800"/>
+            <a:ext cx="6096000" cy="3429000"/>
+          </a:xfrm>
+          <a:custGeom>
+            <a:rect b="b" l="l" r="r" t="t"/>
+            <a:pathLst>
+              <a:path extrusionOk="0" h="120000" w="120000">
+                <a:moveTo>
+                  <a:pt x="0" y="0"/>
+                </a:moveTo>
+                <a:lnTo>
+                  <a:pt x="120000" y="0"/>
+                </a:lnTo>
+                <a:lnTo>
+                  <a:pt x="120000" y="120000"/>
+                </a:lnTo>
+                <a:lnTo>
+                  <a:pt x="0" y="120000"/>
+                </a:lnTo>
+                <a:close/>
+              </a:path>
+            </a:pathLst>
+          </a:custGeom>
+        </p:spPr>
+      </p:sp>
+      <p:sp>
+        <p:nvSpPr>
+          <p:cNvPr id="306" name="Google Shape;306;gdfd31b2cc6_0_6:notes"/>
           <p:cNvSpPr txBox="1"/>
           <p:nvPr>
             <p:ph idx="1" type="body"/>
@@ -2868,6 +2970,204 @@
       <p:sp>
         <p:nvSpPr>
           <p:cNvPr id="85" name="Google Shape;85;gca424067e2_0_102:notes"/>
+          <p:cNvSpPr txBox="1"/>
+          <p:nvPr>
+            <p:ph idx="1" type="body"/>
+          </p:nvPr>
+        </p:nvSpPr>
+        <p:spPr>
+          <a:xfrm>
+            <a:off x="685800" y="4343400"/>
+            <a:ext cx="5486400" cy="4114800"/>
+          </a:xfrm>
+          <a:prstGeom prst="rect">
+            <a:avLst/>
+          </a:prstGeom>
+        </p:spPr>
+        <p:txBody>
+          <a:bodyPr anchorCtr="0" anchor="t" bIns="91425" lIns="91425" spcFirstLastPara="1" rIns="91425" wrap="square" tIns="91425">
+            <a:noAutofit/>
+          </a:bodyPr>
+          <a:lstStyle/>
+          <a:p>
+            <a:pPr indent="0" lvl="0" marL="0" rtl="0" algn="l">
+              <a:spcBef>
+                <a:spcPts val="0"/>
+              </a:spcBef>
+              <a:spcAft>
+                <a:spcPts val="0"/>
+              </a:spcAft>
+              <a:buNone/>
+            </a:pPr>
+            <a:r>
+              <a:t/>
+            </a:r>
+            <a:endParaRPr/>
+          </a:p>
+        </p:txBody>
+      </p:sp>
+    </p:spTree>
+  </p:cSld>
+  <p:clrMapOvr>
+    <a:masterClrMapping/>
+  </p:clrMapOvr>
+</p:notes>
+</file>
+
+<file path=ppt/notesSlides/notesSlide30.xml><?xml version="1.0" encoding="utf-8"?>
+<p:notes xmlns:a="http://schemas.openxmlformats.org/drawingml/2006/main" xmlns:r="http://schemas.openxmlformats.org/officeDocument/2006/relationships" xmlns:mc="http://schemas.openxmlformats.org/markup-compatibility/2006" xmlns:mv="urn:schemas-microsoft-com:mac:vml" xmlns:p="http://schemas.openxmlformats.org/presentationml/2006/main" xmlns:c="http://schemas.openxmlformats.org/drawingml/2006/chart" xmlns:dgm="http://schemas.openxmlformats.org/drawingml/2006/diagram" xmlns:o="urn:schemas-microsoft-com:office:office" xmlns:v="urn:schemas-microsoft-com:vml" xmlns:pvml="urn:schemas-microsoft-com:office:powerpoint" xmlns:com="http://schemas.openxmlformats.org/drawingml/2006/compatibility" xmlns:p14="http://schemas.microsoft.com/office/powerpoint/2010/main" xmlns:p15="http://schemas.microsoft.com/office/powerpoint/2012/main" xmlns:ahyp="http://schemas.microsoft.com/office/drawing/2018/hyperlinkcolor" showMasterPhAnim="0" showMasterSp="0">
+  <p:cSld>
+    <p:spTree>
+      <p:nvGrpSpPr>
+        <p:cNvPr id="311" name="Shape 311"/>
+        <p:cNvGrpSpPr/>
+        <p:nvPr/>
+      </p:nvGrpSpPr>
+      <p:grpSpPr>
+        <a:xfrm>
+          <a:off x="0" y="0"/>
+          <a:ext cx="0" cy="0"/>
+          <a:chOff x="0" y="0"/>
+          <a:chExt cx="0" cy="0"/>
+        </a:xfrm>
+      </p:grpSpPr>
+      <p:sp>
+        <p:nvSpPr>
+          <p:cNvPr id="312" name="Google Shape;312;ge41c4b72f4_0_1:notes"/>
+          <p:cNvSpPr/>
+          <p:nvPr>
+            <p:ph idx="2" type="sldImg"/>
+          </p:nvPr>
+        </p:nvSpPr>
+        <p:spPr>
+          <a:xfrm>
+            <a:off x="381300" y="685800"/>
+            <a:ext cx="6096000" cy="3429000"/>
+          </a:xfrm>
+          <a:custGeom>
+            <a:rect b="b" l="l" r="r" t="t"/>
+            <a:pathLst>
+              <a:path extrusionOk="0" h="120000" w="120000">
+                <a:moveTo>
+                  <a:pt x="0" y="0"/>
+                </a:moveTo>
+                <a:lnTo>
+                  <a:pt x="120000" y="0"/>
+                </a:lnTo>
+                <a:lnTo>
+                  <a:pt x="120000" y="120000"/>
+                </a:lnTo>
+                <a:lnTo>
+                  <a:pt x="0" y="120000"/>
+                </a:lnTo>
+                <a:close/>
+              </a:path>
+            </a:pathLst>
+          </a:custGeom>
+        </p:spPr>
+      </p:sp>
+      <p:sp>
+        <p:nvSpPr>
+          <p:cNvPr id="313" name="Google Shape;313;ge41c4b72f4_0_1:notes"/>
+          <p:cNvSpPr txBox="1"/>
+          <p:nvPr>
+            <p:ph idx="1" type="body"/>
+          </p:nvPr>
+        </p:nvSpPr>
+        <p:spPr>
+          <a:xfrm>
+            <a:off x="685800" y="4343400"/>
+            <a:ext cx="5486400" cy="4114800"/>
+          </a:xfrm>
+          <a:prstGeom prst="rect">
+            <a:avLst/>
+          </a:prstGeom>
+        </p:spPr>
+        <p:txBody>
+          <a:bodyPr anchorCtr="0" anchor="t" bIns="91425" lIns="91425" spcFirstLastPara="1" rIns="91425" wrap="square" tIns="91425">
+            <a:noAutofit/>
+          </a:bodyPr>
+          <a:lstStyle/>
+          <a:p>
+            <a:pPr indent="0" lvl="0" marL="0" rtl="0" algn="l">
+              <a:spcBef>
+                <a:spcPts val="0"/>
+              </a:spcBef>
+              <a:spcAft>
+                <a:spcPts val="0"/>
+              </a:spcAft>
+              <a:buNone/>
+            </a:pPr>
+            <a:r>
+              <a:t/>
+            </a:r>
+            <a:endParaRPr/>
+          </a:p>
+        </p:txBody>
+      </p:sp>
+    </p:spTree>
+  </p:cSld>
+  <p:clrMapOvr>
+    <a:masterClrMapping/>
+  </p:clrMapOvr>
+</p:notes>
+</file>
+
+<file path=ppt/notesSlides/notesSlide31.xml><?xml version="1.0" encoding="utf-8"?>
+<p:notes xmlns:a="http://schemas.openxmlformats.org/drawingml/2006/main" xmlns:r="http://schemas.openxmlformats.org/officeDocument/2006/relationships" xmlns:mc="http://schemas.openxmlformats.org/markup-compatibility/2006" xmlns:mv="urn:schemas-microsoft-com:mac:vml" xmlns:p="http://schemas.openxmlformats.org/presentationml/2006/main" xmlns:c="http://schemas.openxmlformats.org/drawingml/2006/chart" xmlns:dgm="http://schemas.openxmlformats.org/drawingml/2006/diagram" xmlns:o="urn:schemas-microsoft-com:office:office" xmlns:v="urn:schemas-microsoft-com:vml" xmlns:pvml="urn:schemas-microsoft-com:office:powerpoint" xmlns:com="http://schemas.openxmlformats.org/drawingml/2006/compatibility" xmlns:p14="http://schemas.microsoft.com/office/powerpoint/2010/main" xmlns:p15="http://schemas.microsoft.com/office/powerpoint/2012/main" xmlns:ahyp="http://schemas.microsoft.com/office/drawing/2018/hyperlinkcolor" showMasterPhAnim="0" showMasterSp="0">
+  <p:cSld>
+    <p:spTree>
+      <p:nvGrpSpPr>
+        <p:cNvPr id="319" name="Shape 319"/>
+        <p:cNvGrpSpPr/>
+        <p:nvPr/>
+      </p:nvGrpSpPr>
+      <p:grpSpPr>
+        <a:xfrm>
+          <a:off x="0" y="0"/>
+          <a:ext cx="0" cy="0"/>
+          <a:chOff x="0" y="0"/>
+          <a:chExt cx="0" cy="0"/>
+        </a:xfrm>
+      </p:grpSpPr>
+      <p:sp>
+        <p:nvSpPr>
+          <p:cNvPr id="320" name="Google Shape;320;gca424067e2_0_25:notes"/>
+          <p:cNvSpPr/>
+          <p:nvPr>
+            <p:ph idx="2" type="sldImg"/>
+          </p:nvPr>
+        </p:nvSpPr>
+        <p:spPr>
+          <a:xfrm>
+            <a:off x="381300" y="685800"/>
+            <a:ext cx="6096000" cy="3429000"/>
+          </a:xfrm>
+          <a:custGeom>
+            <a:rect b="b" l="l" r="r" t="t"/>
+            <a:pathLst>
+              <a:path extrusionOk="0" h="120000" w="120000">
+                <a:moveTo>
+                  <a:pt x="0" y="0"/>
+                </a:moveTo>
+                <a:lnTo>
+                  <a:pt x="120000" y="0"/>
+                </a:lnTo>
+                <a:lnTo>
+                  <a:pt x="120000" y="120000"/>
+                </a:lnTo>
+                <a:lnTo>
+                  <a:pt x="0" y="120000"/>
+                </a:lnTo>
+                <a:close/>
+              </a:path>
+            </a:pathLst>
+          </a:custGeom>
+        </p:spPr>
+      </p:sp>
+      <p:sp>
+        <p:nvSpPr>
+          <p:cNvPr id="321" name="Google Shape;321;gca424067e2_0_25:notes"/>
           <p:cNvSpPr txBox="1"/>
           <p:nvPr>
             <p:ph idx="1" type="body"/>
@@ -11930,7 +12230,7 @@
             <a:tbl>
               <a:tblPr>
                 <a:noFill/>
-                <a:tableStyleId>{FBCF28EF-0841-412A-871E-4646A196DF41}</a:tableStyleId>
+                <a:tableStyleId>{1CFCCE94-A83D-430D-81A6-CB1955430F6C}</a:tableStyleId>
               </a:tblPr>
               <a:tblGrid>
                 <a:gridCol w="1493225"/>
@@ -12638,7 +12938,7 @@
                             <a:srgbClr val="980000"/>
                           </a:solidFill>
                         </a:rPr>
-                        <a:t>0.1801951659</a:t>
+                        <a:t>0.22580</a:t>
                       </a:r>
                       <a:endParaRPr b="1" sz="1300">
                         <a:solidFill>
@@ -12712,7 +13012,7 @@
                             <a:srgbClr val="980000"/>
                           </a:solidFill>
                         </a:rPr>
-                        <a:t>0.4270833333</a:t>
+                        <a:t>0.6511</a:t>
                       </a:r>
                       <a:endParaRPr b="1" sz="1300">
                         <a:solidFill>
@@ -12786,7 +13086,7 @@
                             <a:srgbClr val="980000"/>
                           </a:solidFill>
                         </a:rPr>
-                        <a:t>0.2534532416</a:t>
+                        <a:t>0.33531</a:t>
                       </a:r>
                       <a:endParaRPr b="1" sz="1300">
                         <a:solidFill>
@@ -13120,7 +13420,7 @@
                             <a:srgbClr val="980000"/>
                           </a:solidFill>
                         </a:rPr>
-                        <a:t>0.2235714286</a:t>
+                        <a:t>0.37795</a:t>
                       </a:r>
                       <a:endParaRPr b="1" sz="1300">
                         <a:solidFill>
@@ -13194,7 +13494,7 @@
                             <a:srgbClr val="980000"/>
                           </a:solidFill>
                         </a:rPr>
-                        <a:t>0.1460378788</a:t>
+                        <a:t>0.2790</a:t>
                       </a:r>
                       <a:endParaRPr b="1" sz="1300">
                         <a:solidFill>
@@ -13268,7 +13568,7 @@
                             <a:srgbClr val="980000"/>
                           </a:solidFill>
                         </a:rPr>
-                        <a:t>0.1766724838</a:t>
+                        <a:t>0.321023</a:t>
                       </a:r>
                       <a:endParaRPr b="1" sz="1300">
                         <a:solidFill>
@@ -13602,85 +13902,11 @@
                             <a:srgbClr val="980000"/>
                           </a:solidFill>
                         </a:rPr>
-                        <a:t>0.1585209513</a:t>
+                        <a:t>0.20086</a:t>
                       </a:r>
                       <a:endParaRPr b="1" sz="1300">
                         <a:solidFill>
                           <a:srgbClr val="980000"/>
-                        </a:solidFill>
-                      </a:endParaRPr>
-                    </a:p>
-                  </a:txBody>
-                  <a:tcPr marT="9525" marB="9525" marR="47625" marL="47625">
-                    <a:lnL cap="flat" cmpd="sng" w="9525">
-                      <a:solidFill>
-                        <a:srgbClr val="9A9A9A"/>
-                      </a:solidFill>
-                      <a:prstDash val="solid"/>
-                      <a:round/>
-                      <a:headEnd len="sm" w="sm" type="none"/>
-                      <a:tailEnd len="sm" w="sm" type="none"/>
-                    </a:lnL>
-                    <a:lnR cap="flat" cmpd="sng" w="9525">
-                      <a:solidFill>
-                        <a:srgbClr val="9A9A9A"/>
-                      </a:solidFill>
-                      <a:prstDash val="solid"/>
-                      <a:round/>
-                      <a:headEnd len="sm" w="sm" type="none"/>
-                      <a:tailEnd len="sm" w="sm" type="none"/>
-                    </a:lnR>
-                    <a:lnT cap="flat" cmpd="sng" w="9525">
-                      <a:solidFill>
-                        <a:srgbClr val="9A9A9A"/>
-                      </a:solidFill>
-                      <a:prstDash val="solid"/>
-                      <a:round/>
-                      <a:headEnd len="sm" w="sm" type="none"/>
-                      <a:tailEnd len="sm" w="sm" type="none"/>
-                    </a:lnT>
-                    <a:lnB cap="flat" cmpd="sng" w="9525">
-                      <a:solidFill>
-                        <a:srgbClr val="9A9A9A"/>
-                      </a:solidFill>
-                      <a:prstDash val="solid"/>
-                      <a:round/>
-                      <a:headEnd len="sm" w="sm" type="none"/>
-                      <a:tailEnd len="sm" w="sm" type="none"/>
-                    </a:lnB>
-                    <a:solidFill>
-                      <a:srgbClr val="D9D9D9"/>
-                    </a:solidFill>
-                  </a:tcPr>
-                </a:tc>
-                <a:tc>
-                  <a:txBody>
-                    <a:bodyPr/>
-                    <a:lstStyle/>
-                    <a:p>
-                      <a:pPr indent="0" lvl="0" marL="0" rtl="0" algn="r">
-                        <a:lnSpc>
-                          <a:spcPct val="115000"/>
-                        </a:lnSpc>
-                        <a:spcBef>
-                          <a:spcPts val="0"/>
-                        </a:spcBef>
-                        <a:spcAft>
-                          <a:spcPts val="0"/>
-                        </a:spcAft>
-                        <a:buNone/>
-                      </a:pPr>
-                      <a:r>
-                        <a:rPr b="1" lang="en" sz="1300">
-                          <a:solidFill>
-                            <a:srgbClr val="274E13"/>
-                          </a:solidFill>
-                        </a:rPr>
-                        <a:t>0.3379318182</a:t>
-                      </a:r>
-                      <a:endParaRPr b="1" sz="1300">
-                        <a:solidFill>
-                          <a:srgbClr val="274E13"/>
                         </a:solidFill>
                       </a:endParaRPr>
                     </a:p>
@@ -13750,7 +13976,81 @@
                             <a:srgbClr val="980000"/>
                           </a:solidFill>
                         </a:rPr>
-                        <a:t>0.2158081356</a:t>
+                        <a:t>0.54069</a:t>
+                      </a:r>
+                      <a:endParaRPr b="1" sz="1300">
+                        <a:solidFill>
+                          <a:srgbClr val="980000"/>
+                        </a:solidFill>
+                      </a:endParaRPr>
+                    </a:p>
+                  </a:txBody>
+                  <a:tcPr marT="9525" marB="9525" marR="47625" marL="47625">
+                    <a:lnL cap="flat" cmpd="sng" w="9525">
+                      <a:solidFill>
+                        <a:srgbClr val="9A9A9A"/>
+                      </a:solidFill>
+                      <a:prstDash val="solid"/>
+                      <a:round/>
+                      <a:headEnd len="sm" w="sm" type="none"/>
+                      <a:tailEnd len="sm" w="sm" type="none"/>
+                    </a:lnL>
+                    <a:lnR cap="flat" cmpd="sng" w="9525">
+                      <a:solidFill>
+                        <a:srgbClr val="9A9A9A"/>
+                      </a:solidFill>
+                      <a:prstDash val="solid"/>
+                      <a:round/>
+                      <a:headEnd len="sm" w="sm" type="none"/>
+                      <a:tailEnd len="sm" w="sm" type="none"/>
+                    </a:lnR>
+                    <a:lnT cap="flat" cmpd="sng" w="9525">
+                      <a:solidFill>
+                        <a:srgbClr val="9A9A9A"/>
+                      </a:solidFill>
+                      <a:prstDash val="solid"/>
+                      <a:round/>
+                      <a:headEnd len="sm" w="sm" type="none"/>
+                      <a:tailEnd len="sm" w="sm" type="none"/>
+                    </a:lnT>
+                    <a:lnB cap="flat" cmpd="sng" w="9525">
+                      <a:solidFill>
+                        <a:srgbClr val="9A9A9A"/>
+                      </a:solidFill>
+                      <a:prstDash val="solid"/>
+                      <a:round/>
+                      <a:headEnd len="sm" w="sm" type="none"/>
+                      <a:tailEnd len="sm" w="sm" type="none"/>
+                    </a:lnB>
+                    <a:solidFill>
+                      <a:srgbClr val="D9D9D9"/>
+                    </a:solidFill>
+                  </a:tcPr>
+                </a:tc>
+                <a:tc>
+                  <a:txBody>
+                    <a:bodyPr/>
+                    <a:lstStyle/>
+                    <a:p>
+                      <a:pPr indent="0" lvl="0" marL="0" rtl="0" algn="r">
+                        <a:lnSpc>
+                          <a:spcPct val="115000"/>
+                        </a:lnSpc>
+                        <a:spcBef>
+                          <a:spcPts val="0"/>
+                        </a:spcBef>
+                        <a:spcAft>
+                          <a:spcPts val="0"/>
+                        </a:spcAft>
+                        <a:buNone/>
+                      </a:pPr>
+                      <a:r>
+                        <a:rPr b="1" lang="en" sz="1300">
+                          <a:solidFill>
+                            <a:srgbClr val="980000"/>
+                          </a:solidFill>
+                        </a:rPr>
+                        <a:t>0.29290</a:t>
                       </a:r>
                       <a:endParaRPr b="1" sz="1300">
                         <a:solidFill>
@@ -14084,7 +14384,7 @@
                             <a:srgbClr val="980000"/>
                           </a:solidFill>
                         </a:rPr>
-                        <a:t>0.20825</a:t>
+                        <a:t>0.33557</a:t>
                       </a:r>
                       <a:endParaRPr b="1" sz="1300">
                         <a:solidFill>
@@ -14158,7 +14458,7 @@
                             <a:srgbClr val="980000"/>
                           </a:solidFill>
                         </a:rPr>
-                        <a:t>0.1511136364</a:t>
+                        <a:t>0.29069</a:t>
                       </a:r>
                       <a:endParaRPr b="1" sz="1300">
                         <a:solidFill>
@@ -14232,7 +14532,7 @@
                             <a:srgbClr val="980000"/>
                           </a:solidFill>
                         </a:rPr>
-                        <a:t>0.1751396724</a:t>
+                        <a:t>0.311521</a:t>
                       </a:r>
                       <a:endParaRPr b="1" sz="1300">
                         <a:solidFill>
@@ -14566,7 +14866,7 @@
                             <a:srgbClr val="980000"/>
                           </a:solidFill>
                         </a:rPr>
-                        <a:t>0.205</a:t>
+                        <a:t>0.38235</a:t>
                       </a:r>
                       <a:endParaRPr b="1" sz="1300">
                         <a:solidFill>
@@ -14640,7 +14940,7 @@
                             <a:srgbClr val="980000"/>
                           </a:solidFill>
                         </a:rPr>
-                        <a:t>0.1375378788</a:t>
+                        <a:t>0.30232</a:t>
                       </a:r>
                       <a:endParaRPr b="1" sz="1300">
                         <a:solidFill>
@@ -14714,7 +15014,7 @@
                             <a:srgbClr val="980000"/>
                           </a:solidFill>
                         </a:rPr>
-                        <a:t>0.1646256773</a:t>
+                        <a:t>0.33765</a:t>
                       </a:r>
                       <a:endParaRPr b="1" sz="1300">
                         <a:solidFill>
@@ -15347,7 +15647,7 @@
             <a:tbl>
               <a:tblPr>
                 <a:noFill/>
-                <a:tableStyleId>{FBCF28EF-0841-412A-871E-4646A196DF41}</a:tableStyleId>
+                <a:tableStyleId>{1CFCCE94-A83D-430D-81A6-CB1955430F6C}</a:tableStyleId>
               </a:tblPr>
               <a:tblGrid>
                 <a:gridCol w="2253475"/>
@@ -16071,7 +16371,7 @@
                             <a:srgbClr val="980000"/>
                           </a:solidFill>
                         </a:rPr>
-                        <a:t>0.2698214286</a:t>
+                        <a:t>0.57758</a:t>
                       </a:r>
                       <a:endParaRPr b="1" sz="1300">
                         <a:solidFill>
@@ -16145,7 +16445,7 @@
                             <a:srgbClr val="980000"/>
                           </a:solidFill>
                         </a:rPr>
-                        <a:t>0.243530303</a:t>
+                        <a:t>0.49264</a:t>
                       </a:r>
                       <a:endParaRPr b="1" sz="1300">
                         <a:solidFill>
@@ -16219,7 +16519,7 @@
                             <a:srgbClr val="980000"/>
                           </a:solidFill>
                         </a:rPr>
-                        <a:t>0.2560026205</a:t>
+                        <a:t>0.531739</a:t>
                       </a:r>
                       <a:endParaRPr b="1" sz="1300">
                         <a:solidFill>
@@ -16550,14 +16850,14 @@
                       <a:r>
                         <a:rPr b="1" lang="en" sz="1300">
                           <a:solidFill>
-                            <a:srgbClr val="274E13"/>
+                            <a:srgbClr val="980000"/>
                           </a:solidFill>
                         </a:rPr>
-                        <a:t>0.2700865801</a:t>
+                        <a:t>0.58333</a:t>
                       </a:r>
                       <a:endParaRPr b="1" sz="1300">
                         <a:solidFill>
-                          <a:srgbClr val="274E13"/>
+                          <a:srgbClr val="980000"/>
                         </a:solidFill>
                       </a:endParaRPr>
                     </a:p>
@@ -16624,14 +16924,14 @@
                       <a:r>
                         <a:rPr b="1" lang="en" sz="1300">
                           <a:solidFill>
-                            <a:srgbClr val="980000"/>
+                            <a:srgbClr val="38761D"/>
                           </a:solidFill>
                         </a:rPr>
-                        <a:t>0.2680151515</a:t>
+                        <a:t>0.66379</a:t>
                       </a:r>
                       <a:endParaRPr b="1" sz="1300">
                         <a:solidFill>
-                          <a:srgbClr val="980000"/>
+                          <a:srgbClr val="38761D"/>
                         </a:solidFill>
                       </a:endParaRPr>
                     </a:p>
@@ -16701,7 +17001,7 @@
                             <a:srgbClr val="274E13"/>
                           </a:solidFill>
                         </a:rPr>
-                        <a:t>0.2567012987</a:t>
+                        <a:t>0.6209644</a:t>
                       </a:r>
                       <a:endParaRPr b="1" sz="1300">
                         <a:solidFill>
@@ -17032,14 +17332,14 @@
                       <a:r>
                         <a:rPr b="1" lang="en" sz="1300">
                           <a:solidFill>
-                            <a:srgbClr val="980000"/>
+                            <a:srgbClr val="38761D"/>
                           </a:solidFill>
                         </a:rPr>
-                        <a:t>0.2410714286</a:t>
+                        <a:t>0.6538461</a:t>
                       </a:r>
                       <a:endParaRPr b="1" sz="1300">
                         <a:solidFill>
-                          <a:srgbClr val="980000"/>
+                          <a:srgbClr val="38761D"/>
                         </a:solidFill>
                       </a:endParaRPr>
                     </a:p>
@@ -17109,7 +17409,7 @@
                             <a:srgbClr val="980000"/>
                           </a:solidFill>
                         </a:rPr>
-                        <a:t>0.2119545455</a:t>
+                        <a:t>0.58620</a:t>
                       </a:r>
                       <a:endParaRPr b="1" sz="1300">
                         <a:solidFill>
@@ -17183,7 +17483,7 @@
                             <a:srgbClr val="980000"/>
                           </a:solidFill>
                         </a:rPr>
-                        <a:t>0.2168333333</a:t>
+                        <a:t>0.618177</a:t>
                       </a:r>
                       <a:endParaRPr b="1" sz="1300">
                         <a:solidFill>
@@ -17639,7 +17939,7 @@
             <a:tbl>
               <a:tblPr>
                 <a:noFill/>
-                <a:tableStyleId>{FBCF28EF-0841-412A-871E-4646A196DF41}</a:tableStyleId>
+                <a:tableStyleId>{1CFCCE94-A83D-430D-81A6-CB1955430F6C}</a:tableStyleId>
               </a:tblPr>
               <a:tblGrid>
                 <a:gridCol w="2253475"/>
@@ -18306,10 +18606,18 @@
                         <a:buNone/>
                       </a:pPr>
                       <a:r>
-                        <a:rPr b="1" lang="en"/>
-                        <a:t>0.2177655</a:t>
+                        <a:rPr b="1" lang="en">
+                          <a:solidFill>
+                            <a:srgbClr val="38761D"/>
+                          </a:solidFill>
+                        </a:rPr>
+                        <a:t>0.849529</a:t>
                       </a:r>
-                      <a:endParaRPr b="1"/>
+                      <a:endParaRPr b="1">
+                        <a:solidFill>
+                          <a:srgbClr val="38761D"/>
+                        </a:solidFill>
+                      </a:endParaRPr>
                     </a:p>
                   </a:txBody>
                   <a:tcPr marT="9525" marB="9525" marR="47625" marL="47625">
@@ -18369,10 +18677,18 @@
                         <a:buNone/>
                       </a:pPr>
                       <a:r>
-                        <a:rPr b="1" lang="en"/>
-                        <a:t>0.2307692</a:t>
+                        <a:rPr b="1" lang="en">
+                          <a:solidFill>
+                            <a:srgbClr val="38761D"/>
+                          </a:solidFill>
+                        </a:rPr>
+                        <a:t>1</a:t>
                       </a:r>
-                      <a:endParaRPr b="1"/>
+                      <a:endParaRPr b="1">
+                        <a:solidFill>
+                          <a:srgbClr val="38761D"/>
+                        </a:solidFill>
+                      </a:endParaRPr>
                     </a:p>
                   </a:txBody>
                   <a:tcPr marT="9525" marB="9525" marR="47625" marL="47625">
@@ -18432,10 +18748,18 @@
                         <a:buNone/>
                       </a:pPr>
                       <a:r>
-                        <a:rPr b="1" lang="en"/>
-                        <a:t>0.2224381</a:t>
+                        <a:rPr b="1" lang="en">
+                          <a:solidFill>
+                            <a:srgbClr val="38761D"/>
+                          </a:solidFill>
+                        </a:rPr>
+                        <a:t>0.9186436</a:t>
                       </a:r>
-                      <a:endParaRPr b="1"/>
+                      <a:endParaRPr b="1">
+                        <a:solidFill>
+                          <a:srgbClr val="38761D"/>
+                        </a:solidFill>
+                      </a:endParaRPr>
                     </a:p>
                   </a:txBody>
                   <a:tcPr marT="9525" marB="9525" marR="47625" marL="47625">
@@ -18739,7 +19063,7 @@
                       </a:pPr>
                       <a:r>
                         <a:rPr b="1" lang="en" sz="1300"/>
-                        <a:t>0.2303600495</a:t>
+                        <a:t>0.8204081</a:t>
                       </a:r>
                       <a:endParaRPr sz="1700"/>
                     </a:p>
@@ -18802,7 +19126,7 @@
                       </a:pPr>
                       <a:r>
                         <a:rPr b="1" lang="en" sz="1300"/>
-                        <a:t>0.21885093</a:t>
+                        <a:t>0.766200</a:t>
                       </a:r>
                       <a:endParaRPr sz="1700"/>
                     </a:p>
@@ -18865,7 +19189,7 @@
                       </a:pPr>
                       <a:r>
                         <a:rPr b="1" lang="en" sz="1300"/>
-                        <a:t>0.2191191392</a:t>
+                        <a:t>0.79237801</a:t>
                       </a:r>
                       <a:endParaRPr sz="1700"/>
                     </a:p>
@@ -21154,7 +21478,7 @@
         </p:nvSpPr>
         <p:spPr>
           <a:xfrm>
-            <a:off x="311700" y="1688875"/>
+            <a:off x="311700" y="445025"/>
             <a:ext cx="8520600" cy="707400"/>
           </a:xfrm>
           <a:prstGeom prst="rect">
@@ -21178,7 +21502,7 @@
             </a:pPr>
             <a:r>
               <a:rPr lang="en"/>
-              <a:t>					   THANK YOU TEAM !! </a:t>
+              <a:t>Approach - 11</a:t>
             </a:r>
             <a:endParaRPr/>
           </a:p>
@@ -21187,6 +21511,105 @@
       <p:sp>
         <p:nvSpPr>
           <p:cNvPr id="302" name="Google Shape;302;p41"/>
+          <p:cNvSpPr txBox="1"/>
+          <p:nvPr>
+            <p:ph idx="1" type="body"/>
+          </p:nvPr>
+        </p:nvSpPr>
+        <p:spPr>
+          <a:xfrm>
+            <a:off x="311700" y="1266325"/>
+            <a:ext cx="8520600" cy="3302700"/>
+          </a:xfrm>
+          <a:prstGeom prst="rect">
+            <a:avLst/>
+          </a:prstGeom>
+        </p:spPr>
+        <p:txBody>
+          <a:bodyPr anchorCtr="0" anchor="t" bIns="91425" lIns="91425" spcFirstLastPara="1" rIns="91425" wrap="square" tIns="91425">
+            <a:normAutofit/>
+          </a:bodyPr>
+          <a:lstStyle/>
+          <a:p>
+            <a:pPr indent="0" lvl="0" marL="0" rtl="0" algn="l">
+              <a:spcBef>
+                <a:spcPts val="0"/>
+              </a:spcBef>
+              <a:spcAft>
+                <a:spcPts val="0"/>
+              </a:spcAft>
+              <a:buNone/>
+            </a:pPr>
+            <a:r>
+              <a:rPr lang="en" sz="2400" u="sng"/>
+              <a:t>Spacy (lg model) training on our tagged dataset</a:t>
+            </a:r>
+            <a:endParaRPr sz="2400" u="sng"/>
+          </a:p>
+          <a:p>
+            <a:pPr indent="-355600" lvl="0" marL="457200" rtl="0" algn="l">
+              <a:spcBef>
+                <a:spcPts val="1200"/>
+              </a:spcBef>
+              <a:spcAft>
+                <a:spcPts val="0"/>
+              </a:spcAft>
+              <a:buSzPts val="2000"/>
+              <a:buChar char="●"/>
+            </a:pPr>
+            <a:r>
+              <a:rPr lang="en" sz="2000"/>
+              <a:t>Validation sample(</a:t>
+            </a:r>
+            <a:r>
+              <a:rPr lang="en" sz="2000"/>
+              <a:t>189</a:t>
+            </a:r>
+            <a:r>
+              <a:rPr lang="en" sz="2000"/>
+              <a:t>) set - Only 1 tech extracted, poor result</a:t>
+            </a:r>
+            <a:endParaRPr sz="2000"/>
+          </a:p>
+          <a:p>
+            <a:pPr indent="-355600" lvl="0" marL="457200" rtl="0" algn="l">
+              <a:spcBef>
+                <a:spcPts val="0"/>
+              </a:spcBef>
+              <a:spcAft>
+                <a:spcPts val="0"/>
+              </a:spcAft>
+              <a:buSzPts val="2000"/>
+              <a:buChar char="●"/>
+            </a:pPr>
+            <a:r>
+              <a:rPr lang="en" sz="2000"/>
+              <a:t>Cons:</a:t>
+            </a:r>
+            <a:endParaRPr sz="2000"/>
+          </a:p>
+          <a:p>
+            <a:pPr indent="-355600" lvl="1" marL="914400" rtl="0" algn="l">
+              <a:spcBef>
+                <a:spcPts val="0"/>
+              </a:spcBef>
+              <a:spcAft>
+                <a:spcPts val="0"/>
+              </a:spcAft>
+              <a:buSzPts val="2000"/>
+              <a:buChar char="○"/>
+            </a:pPr>
+            <a:r>
+              <a:rPr lang="en" sz="2000"/>
+              <a:t>Requires high amount of training Data</a:t>
+            </a:r>
+            <a:endParaRPr sz="2000"/>
+          </a:p>
+        </p:txBody>
+      </p:sp>
+      <p:sp>
+        <p:nvSpPr>
+          <p:cNvPr id="303" name="Google Shape;303;p41"/>
           <p:cNvSpPr txBox="1"/>
           <p:nvPr>
             <p:ph idx="12" type="sldNum"/>
@@ -21224,34 +21647,224 @@
           </a:p>
         </p:txBody>
       </p:sp>
-      <p:pic>
-        <p:nvPicPr>
-          <p:cNvPr id="303" name="Google Shape;303;p41"/>
-          <p:cNvPicPr preferRelativeResize="0"/>
-          <p:nvPr/>
-        </p:nvPicPr>
-        <p:blipFill>
-          <a:blip r:embed="rId3">
-            <a:alphaModFix/>
-          </a:blip>
-          <a:stretch>
-            <a:fillRect/>
-          </a:stretch>
-        </p:blipFill>
+    </p:spTree>
+  </p:cSld>
+  <p:clrMapOvr>
+    <a:masterClrMapping/>
+  </p:clrMapOvr>
+</p:sld>
+</file>
+
+<file path=ppt/slides/slide29.xml><?xml version="1.0" encoding="utf-8"?>
+<p:sld xmlns:a="http://schemas.openxmlformats.org/drawingml/2006/main" xmlns:r="http://schemas.openxmlformats.org/officeDocument/2006/relationships" xmlns:mc="http://schemas.openxmlformats.org/markup-compatibility/2006" xmlns:mv="urn:schemas-microsoft-com:mac:vml" xmlns:p="http://schemas.openxmlformats.org/presentationml/2006/main" xmlns:c="http://schemas.openxmlformats.org/drawingml/2006/chart" xmlns:dgm="http://schemas.openxmlformats.org/drawingml/2006/diagram" xmlns:o="urn:schemas-microsoft-com:office:office" xmlns:v="urn:schemas-microsoft-com:vml" xmlns:pvml="urn:schemas-microsoft-com:office:powerpoint" xmlns:com="http://schemas.openxmlformats.org/drawingml/2006/compatibility" xmlns:p14="http://schemas.microsoft.com/office/powerpoint/2010/main" xmlns:p15="http://schemas.microsoft.com/office/powerpoint/2012/main" xmlns:ahyp="http://schemas.microsoft.com/office/drawing/2018/hyperlinkcolor">
+  <p:cSld>
+    <p:spTree>
+      <p:nvGrpSpPr>
+        <p:cNvPr id="307" name="Shape 307"/>
+        <p:cNvGrpSpPr/>
+        <p:nvPr/>
+      </p:nvGrpSpPr>
+      <p:grpSpPr>
+        <a:xfrm>
+          <a:off x="0" y="0"/>
+          <a:ext cx="0" cy="0"/>
+          <a:chOff x="0" y="0"/>
+          <a:chExt cx="0" cy="0"/>
+        </a:xfrm>
+      </p:grpSpPr>
+      <p:sp>
+        <p:nvSpPr>
+          <p:cNvPr id="308" name="Google Shape;308;p42"/>
+          <p:cNvSpPr txBox="1"/>
+          <p:nvPr>
+            <p:ph type="title"/>
+          </p:nvPr>
+        </p:nvSpPr>
         <p:spPr>
           <a:xfrm>
-            <a:off x="2528050" y="2396275"/>
-            <a:ext cx="3665069" cy="2442425"/>
+            <a:off x="311700" y="445025"/>
+            <a:ext cx="8520600" cy="707400"/>
           </a:xfrm>
           <a:prstGeom prst="rect">
             <a:avLst/>
           </a:prstGeom>
-          <a:noFill/>
-          <a:ln>
-            <a:noFill/>
-          </a:ln>
         </p:spPr>
-      </p:pic>
+        <p:txBody>
+          <a:bodyPr anchorCtr="0" anchor="t" bIns="91425" lIns="91425" spcFirstLastPara="1" rIns="91425" wrap="square" tIns="91425">
+            <a:normAutofit fontScale="90000"/>
+          </a:bodyPr>
+          <a:lstStyle/>
+          <a:p>
+            <a:pPr indent="0" lvl="0" marL="0" rtl="0" algn="l">
+              <a:spcBef>
+                <a:spcPts val="0"/>
+              </a:spcBef>
+              <a:spcAft>
+                <a:spcPts val="0"/>
+              </a:spcAft>
+              <a:buNone/>
+            </a:pPr>
+            <a:r>
+              <a:rPr lang="en"/>
+              <a:t>Approach - 12 (in progress)</a:t>
+            </a:r>
+            <a:endParaRPr/>
+          </a:p>
+        </p:txBody>
+      </p:sp>
+      <p:sp>
+        <p:nvSpPr>
+          <p:cNvPr id="309" name="Google Shape;309;p42"/>
+          <p:cNvSpPr txBox="1"/>
+          <p:nvPr>
+            <p:ph idx="1" type="body"/>
+          </p:nvPr>
+        </p:nvSpPr>
+        <p:spPr>
+          <a:xfrm>
+            <a:off x="311700" y="1266325"/>
+            <a:ext cx="8520600" cy="3302700"/>
+          </a:xfrm>
+          <a:prstGeom prst="rect">
+            <a:avLst/>
+          </a:prstGeom>
+        </p:spPr>
+        <p:txBody>
+          <a:bodyPr anchorCtr="0" anchor="t" bIns="91425" lIns="91425" spcFirstLastPara="1" rIns="91425" wrap="square" tIns="91425">
+            <a:normAutofit/>
+          </a:bodyPr>
+          <a:lstStyle/>
+          <a:p>
+            <a:pPr indent="0" lvl="0" marL="0" rtl="0" algn="l">
+              <a:spcBef>
+                <a:spcPts val="0"/>
+              </a:spcBef>
+              <a:spcAft>
+                <a:spcPts val="0"/>
+              </a:spcAft>
+              <a:buNone/>
+            </a:pPr>
+            <a:r>
+              <a:rPr lang="en" sz="2400"/>
+              <a:t>BERT | Fine Tuning | Train : 2000 samples | Test : 500</a:t>
+            </a:r>
+            <a:endParaRPr sz="2400"/>
+          </a:p>
+          <a:p>
+            <a:pPr indent="-381000" lvl="0" marL="457200" rtl="0" algn="l">
+              <a:spcBef>
+                <a:spcPts val="1200"/>
+              </a:spcBef>
+              <a:spcAft>
+                <a:spcPts val="0"/>
+              </a:spcAft>
+              <a:buSzPts val="2400"/>
+              <a:buChar char="●"/>
+            </a:pPr>
+            <a:r>
+              <a:rPr lang="en" sz="2400"/>
+              <a:t>Validation set (500 samples)-on english labels only</a:t>
+            </a:r>
+            <a:endParaRPr sz="2400"/>
+          </a:p>
+          <a:p>
+            <a:pPr indent="-381000" lvl="1" marL="914400" rtl="0" algn="l">
+              <a:spcBef>
+                <a:spcPts val="0"/>
+              </a:spcBef>
+              <a:spcAft>
+                <a:spcPts val="0"/>
+              </a:spcAft>
+              <a:buSzPts val="2400"/>
+              <a:buChar char="○"/>
+            </a:pPr>
+            <a:r>
+              <a:rPr lang="en" sz="2400"/>
+              <a:t>TP | FP | FN | Precision | Recall | f1-score</a:t>
+            </a:r>
+            <a:endParaRPr sz="2400"/>
+          </a:p>
+          <a:p>
+            <a:pPr indent="-381000" lvl="1" marL="914400" rtl="0" algn="l">
+              <a:spcBef>
+                <a:spcPts val="0"/>
+              </a:spcBef>
+              <a:spcAft>
+                <a:spcPts val="0"/>
+              </a:spcAft>
+              <a:buSzPts val="2400"/>
+              <a:buChar char="○"/>
+            </a:pPr>
+            <a:r>
+              <a:rPr lang="en" sz="2400"/>
+              <a:t>143 | 27 | 49 | 0.841 | 0.744 |0.790</a:t>
+            </a:r>
+            <a:endParaRPr sz="2400"/>
+          </a:p>
+          <a:p>
+            <a:pPr indent="-381000" lvl="0" marL="457200" rtl="0" algn="l">
+              <a:spcBef>
+                <a:spcPts val="0"/>
+              </a:spcBef>
+              <a:spcAft>
+                <a:spcPts val="0"/>
+              </a:spcAft>
+              <a:buSzPts val="2400"/>
+              <a:buChar char="-"/>
+            </a:pPr>
+            <a:r>
+              <a:rPr lang="en" sz="2400" u="sng">
+                <a:solidFill>
+                  <a:schemeClr val="hlink"/>
+                </a:solidFill>
+                <a:hlinkClick r:id="rId3"/>
+              </a:rPr>
+              <a:t>Accuracy Sheet</a:t>
+            </a:r>
+            <a:endParaRPr sz="2400"/>
+          </a:p>
+        </p:txBody>
+      </p:sp>
+      <p:sp>
+        <p:nvSpPr>
+          <p:cNvPr id="310" name="Google Shape;310;p42"/>
+          <p:cNvSpPr txBox="1"/>
+          <p:nvPr>
+            <p:ph idx="12" type="sldNum"/>
+          </p:nvPr>
+        </p:nvSpPr>
+        <p:spPr>
+          <a:xfrm>
+            <a:off x="8472458" y="4663217"/>
+            <a:ext cx="548700" cy="393600"/>
+          </a:xfrm>
+          <a:prstGeom prst="rect">
+            <a:avLst/>
+          </a:prstGeom>
+        </p:spPr>
+        <p:txBody>
+          <a:bodyPr anchorCtr="0" anchor="ctr" bIns="91425" lIns="91425" spcFirstLastPara="1" rIns="91425" wrap="square" tIns="91425">
+            <a:normAutofit/>
+          </a:bodyPr>
+          <a:lstStyle/>
+          <a:p>
+            <a:pPr indent="0" lvl="0" marL="0" rtl="0" algn="r">
+              <a:spcBef>
+                <a:spcPts val="0"/>
+              </a:spcBef>
+              <a:spcAft>
+                <a:spcPts val="0"/>
+              </a:spcAft>
+              <a:buNone/>
+            </a:pPr>
+            <a:fld id="{00000000-1234-1234-1234-123412341234}" type="slidenum">
+              <a:rPr lang="en"/>
+              <a:t>‹#›</a:t>
+            </a:fld>
+            <a:endParaRPr/>
+          </a:p>
+        </p:txBody>
+      </p:sp>
     </p:spTree>
   </p:cSld>
   <p:clrMapOvr>
@@ -21496,6 +22109,380 @@
           </a:p>
         </p:txBody>
       </p:sp>
+    </p:spTree>
+  </p:cSld>
+  <p:clrMapOvr>
+    <a:masterClrMapping/>
+  </p:clrMapOvr>
+</p:sld>
+</file>
+
+<file path=ppt/slides/slide30.xml><?xml version="1.0" encoding="utf-8"?>
+<p:sld xmlns:a="http://schemas.openxmlformats.org/drawingml/2006/main" xmlns:r="http://schemas.openxmlformats.org/officeDocument/2006/relationships" xmlns:mc="http://schemas.openxmlformats.org/markup-compatibility/2006" xmlns:mv="urn:schemas-microsoft-com:mac:vml" xmlns:p="http://schemas.openxmlformats.org/presentationml/2006/main" xmlns:c="http://schemas.openxmlformats.org/drawingml/2006/chart" xmlns:dgm="http://schemas.openxmlformats.org/drawingml/2006/diagram" xmlns:o="urn:schemas-microsoft-com:office:office" xmlns:v="urn:schemas-microsoft-com:vml" xmlns:pvml="urn:schemas-microsoft-com:office:powerpoint" xmlns:com="http://schemas.openxmlformats.org/drawingml/2006/compatibility" xmlns:p14="http://schemas.microsoft.com/office/powerpoint/2010/main" xmlns:p15="http://schemas.microsoft.com/office/powerpoint/2012/main" xmlns:ahyp="http://schemas.microsoft.com/office/drawing/2018/hyperlinkcolor">
+  <p:cSld>
+    <p:spTree>
+      <p:nvGrpSpPr>
+        <p:cNvPr id="314" name="Shape 314"/>
+        <p:cNvGrpSpPr/>
+        <p:nvPr/>
+      </p:nvGrpSpPr>
+      <p:grpSpPr>
+        <a:xfrm>
+          <a:off x="0" y="0"/>
+          <a:ext cx="0" cy="0"/>
+          <a:chOff x="0" y="0"/>
+          <a:chExt cx="0" cy="0"/>
+        </a:xfrm>
+      </p:grpSpPr>
+      <p:sp>
+        <p:nvSpPr>
+          <p:cNvPr id="315" name="Google Shape;315;p43"/>
+          <p:cNvSpPr txBox="1"/>
+          <p:nvPr>
+            <p:ph type="title"/>
+          </p:nvPr>
+        </p:nvSpPr>
+        <p:spPr>
+          <a:xfrm>
+            <a:off x="311700" y="445025"/>
+            <a:ext cx="8520600" cy="707400"/>
+          </a:xfrm>
+          <a:prstGeom prst="rect">
+            <a:avLst/>
+          </a:prstGeom>
+        </p:spPr>
+        <p:txBody>
+          <a:bodyPr anchorCtr="0" anchor="t" bIns="91425" lIns="91425" spcFirstLastPara="1" rIns="91425" wrap="square" tIns="91425">
+            <a:normAutofit fontScale="90000"/>
+          </a:bodyPr>
+          <a:lstStyle/>
+          <a:p>
+            <a:pPr indent="0" lvl="0" marL="0" rtl="0" algn="l">
+              <a:spcBef>
+                <a:spcPts val="0"/>
+              </a:spcBef>
+              <a:spcAft>
+                <a:spcPts val="0"/>
+              </a:spcAft>
+              <a:buNone/>
+            </a:pPr>
+            <a:r>
+              <a:rPr lang="en"/>
+              <a:t>Approach - 12 (in progress)</a:t>
+            </a:r>
+            <a:endParaRPr/>
+          </a:p>
+        </p:txBody>
+      </p:sp>
+      <p:sp>
+        <p:nvSpPr>
+          <p:cNvPr id="316" name="Google Shape;316;p43"/>
+          <p:cNvSpPr txBox="1"/>
+          <p:nvPr>
+            <p:ph idx="1" type="body"/>
+          </p:nvPr>
+        </p:nvSpPr>
+        <p:spPr>
+          <a:xfrm>
+            <a:off x="311700" y="1266325"/>
+            <a:ext cx="8520600" cy="3302700"/>
+          </a:xfrm>
+          <a:prstGeom prst="rect">
+            <a:avLst/>
+          </a:prstGeom>
+        </p:spPr>
+        <p:txBody>
+          <a:bodyPr anchorCtr="0" anchor="t" bIns="91425" lIns="91425" spcFirstLastPara="1" rIns="91425" wrap="square" tIns="91425">
+            <a:normAutofit/>
+          </a:bodyPr>
+          <a:lstStyle/>
+          <a:p>
+            <a:pPr indent="-381000" lvl="0" marL="457200" rtl="0" algn="l">
+              <a:spcBef>
+                <a:spcPts val="0"/>
+              </a:spcBef>
+              <a:spcAft>
+                <a:spcPts val="0"/>
+              </a:spcAft>
+              <a:buSzPts val="2400"/>
+              <a:buChar char="-"/>
+            </a:pPr>
+            <a:r>
+              <a:rPr lang="en" sz="2400"/>
+              <a:t>Cross Validation Check</a:t>
+            </a:r>
+            <a:endParaRPr sz="2400"/>
+          </a:p>
+          <a:p>
+            <a:pPr indent="-381000" lvl="0" marL="457200" rtl="0" algn="l">
+              <a:spcBef>
+                <a:spcPts val="0"/>
+              </a:spcBef>
+              <a:spcAft>
+                <a:spcPts val="0"/>
+              </a:spcAft>
+              <a:buSzPts val="2400"/>
+              <a:buChar char="-"/>
+            </a:pPr>
+            <a:r>
+              <a:rPr lang="en" sz="2400"/>
+              <a:t>Epochs =2</a:t>
+            </a:r>
+            <a:endParaRPr sz="2400"/>
+          </a:p>
+          <a:p>
+            <a:pPr indent="-381000" lvl="0" marL="457200" rtl="0" algn="l">
+              <a:spcBef>
+                <a:spcPts val="0"/>
+              </a:spcBef>
+              <a:spcAft>
+                <a:spcPts val="0"/>
+              </a:spcAft>
+              <a:buSzPts val="2400"/>
+              <a:buChar char="-"/>
+            </a:pPr>
+            <a:r>
+              <a:rPr lang="en" sz="2400"/>
+              <a:t>Remark: </a:t>
+            </a:r>
+            <a:endParaRPr sz="2400"/>
+          </a:p>
+          <a:p>
+            <a:pPr indent="-381000" lvl="1" marL="914400" rtl="0" algn="l">
+              <a:spcBef>
+                <a:spcPts val="0"/>
+              </a:spcBef>
+              <a:spcAft>
+                <a:spcPts val="0"/>
+              </a:spcAft>
+              <a:buSzPts val="2400"/>
+              <a:buChar char="-"/>
+            </a:pPr>
+            <a:r>
+              <a:rPr lang="en" sz="2400"/>
+              <a:t>Optimisation</a:t>
+            </a:r>
+            <a:endParaRPr sz="2400"/>
+          </a:p>
+          <a:p>
+            <a:pPr indent="0" lvl="0" marL="914400" rtl="0" algn="l">
+              <a:spcBef>
+                <a:spcPts val="1200"/>
+              </a:spcBef>
+              <a:spcAft>
+                <a:spcPts val="1200"/>
+              </a:spcAft>
+              <a:buNone/>
+            </a:pPr>
+            <a:r>
+              <a:rPr lang="en" sz="2400"/>
+              <a:t> can be done</a:t>
+            </a:r>
+            <a:endParaRPr sz="2400"/>
+          </a:p>
+        </p:txBody>
+      </p:sp>
+      <p:sp>
+        <p:nvSpPr>
+          <p:cNvPr id="317" name="Google Shape;317;p43"/>
+          <p:cNvSpPr txBox="1"/>
+          <p:nvPr>
+            <p:ph idx="12" type="sldNum"/>
+          </p:nvPr>
+        </p:nvSpPr>
+        <p:spPr>
+          <a:xfrm>
+            <a:off x="8472458" y="4663217"/>
+            <a:ext cx="548700" cy="393600"/>
+          </a:xfrm>
+          <a:prstGeom prst="rect">
+            <a:avLst/>
+          </a:prstGeom>
+        </p:spPr>
+        <p:txBody>
+          <a:bodyPr anchorCtr="0" anchor="ctr" bIns="91425" lIns="91425" spcFirstLastPara="1" rIns="91425" wrap="square" tIns="91425">
+            <a:normAutofit/>
+          </a:bodyPr>
+          <a:lstStyle/>
+          <a:p>
+            <a:pPr indent="0" lvl="0" marL="0" rtl="0" algn="r">
+              <a:spcBef>
+                <a:spcPts val="0"/>
+              </a:spcBef>
+              <a:spcAft>
+                <a:spcPts val="0"/>
+              </a:spcAft>
+              <a:buNone/>
+            </a:pPr>
+            <a:fld id="{00000000-1234-1234-1234-123412341234}" type="slidenum">
+              <a:rPr lang="en"/>
+              <a:t>‹#›</a:t>
+            </a:fld>
+            <a:endParaRPr/>
+          </a:p>
+        </p:txBody>
+      </p:sp>
+      <p:pic>
+        <p:nvPicPr>
+          <p:cNvPr id="318" name="Google Shape;318;p43"/>
+          <p:cNvPicPr preferRelativeResize="0"/>
+          <p:nvPr/>
+        </p:nvPicPr>
+        <p:blipFill>
+          <a:blip r:embed="rId3">
+            <a:alphaModFix/>
+          </a:blip>
+          <a:stretch>
+            <a:fillRect/>
+          </a:stretch>
+        </p:blipFill>
+        <p:spPr>
+          <a:xfrm>
+            <a:off x="4572000" y="800937"/>
+            <a:ext cx="3800625" cy="4233474"/>
+          </a:xfrm>
+          <a:prstGeom prst="rect">
+            <a:avLst/>
+          </a:prstGeom>
+          <a:noFill/>
+          <a:ln>
+            <a:noFill/>
+          </a:ln>
+        </p:spPr>
+      </p:pic>
+    </p:spTree>
+  </p:cSld>
+  <p:clrMapOvr>
+    <a:masterClrMapping/>
+  </p:clrMapOvr>
+</p:sld>
+</file>
+
+<file path=ppt/slides/slide31.xml><?xml version="1.0" encoding="utf-8"?>
+<p:sld xmlns:a="http://schemas.openxmlformats.org/drawingml/2006/main" xmlns:r="http://schemas.openxmlformats.org/officeDocument/2006/relationships" xmlns:mc="http://schemas.openxmlformats.org/markup-compatibility/2006" xmlns:mv="urn:schemas-microsoft-com:mac:vml" xmlns:p="http://schemas.openxmlformats.org/presentationml/2006/main" xmlns:c="http://schemas.openxmlformats.org/drawingml/2006/chart" xmlns:dgm="http://schemas.openxmlformats.org/drawingml/2006/diagram" xmlns:o="urn:schemas-microsoft-com:office:office" xmlns:v="urn:schemas-microsoft-com:vml" xmlns:pvml="urn:schemas-microsoft-com:office:powerpoint" xmlns:com="http://schemas.openxmlformats.org/drawingml/2006/compatibility" xmlns:p14="http://schemas.microsoft.com/office/powerpoint/2010/main" xmlns:p15="http://schemas.microsoft.com/office/powerpoint/2012/main" xmlns:ahyp="http://schemas.microsoft.com/office/drawing/2018/hyperlinkcolor">
+  <p:cSld>
+    <p:spTree>
+      <p:nvGrpSpPr>
+        <p:cNvPr id="322" name="Shape 322"/>
+        <p:cNvGrpSpPr/>
+        <p:nvPr/>
+      </p:nvGrpSpPr>
+      <p:grpSpPr>
+        <a:xfrm>
+          <a:off x="0" y="0"/>
+          <a:ext cx="0" cy="0"/>
+          <a:chOff x="0" y="0"/>
+          <a:chExt cx="0" cy="0"/>
+        </a:xfrm>
+      </p:grpSpPr>
+      <p:sp>
+        <p:nvSpPr>
+          <p:cNvPr id="323" name="Google Shape;323;p44"/>
+          <p:cNvSpPr txBox="1"/>
+          <p:nvPr>
+            <p:ph type="title"/>
+          </p:nvPr>
+        </p:nvSpPr>
+        <p:spPr>
+          <a:xfrm>
+            <a:off x="311700" y="1688875"/>
+            <a:ext cx="8520600" cy="707400"/>
+          </a:xfrm>
+          <a:prstGeom prst="rect">
+            <a:avLst/>
+          </a:prstGeom>
+        </p:spPr>
+        <p:txBody>
+          <a:bodyPr anchorCtr="0" anchor="t" bIns="91425" lIns="91425" spcFirstLastPara="1" rIns="91425" wrap="square" tIns="91425">
+            <a:normAutofit fontScale="90000"/>
+          </a:bodyPr>
+          <a:lstStyle/>
+          <a:p>
+            <a:pPr indent="0" lvl="0" marL="0" rtl="0" algn="l">
+              <a:spcBef>
+                <a:spcPts val="0"/>
+              </a:spcBef>
+              <a:spcAft>
+                <a:spcPts val="0"/>
+              </a:spcAft>
+              <a:buNone/>
+            </a:pPr>
+            <a:r>
+              <a:rPr lang="en"/>
+              <a:t>					   THANK YOU TEAM !! </a:t>
+            </a:r>
+            <a:endParaRPr/>
+          </a:p>
+        </p:txBody>
+      </p:sp>
+      <p:sp>
+        <p:nvSpPr>
+          <p:cNvPr id="324" name="Google Shape;324;p44"/>
+          <p:cNvSpPr txBox="1"/>
+          <p:nvPr>
+            <p:ph idx="12" type="sldNum"/>
+          </p:nvPr>
+        </p:nvSpPr>
+        <p:spPr>
+          <a:xfrm>
+            <a:off x="8472458" y="4663217"/>
+            <a:ext cx="548700" cy="393600"/>
+          </a:xfrm>
+          <a:prstGeom prst="rect">
+            <a:avLst/>
+          </a:prstGeom>
+        </p:spPr>
+        <p:txBody>
+          <a:bodyPr anchorCtr="0" anchor="ctr" bIns="91425" lIns="91425" spcFirstLastPara="1" rIns="91425" wrap="square" tIns="91425">
+            <a:normAutofit/>
+          </a:bodyPr>
+          <a:lstStyle/>
+          <a:p>
+            <a:pPr indent="0" lvl="0" marL="0" rtl="0" algn="r">
+              <a:spcBef>
+                <a:spcPts val="0"/>
+              </a:spcBef>
+              <a:spcAft>
+                <a:spcPts val="0"/>
+              </a:spcAft>
+              <a:buNone/>
+            </a:pPr>
+            <a:fld id="{00000000-1234-1234-1234-123412341234}" type="slidenum">
+              <a:rPr lang="en"/>
+              <a:t>‹#›</a:t>
+            </a:fld>
+            <a:endParaRPr/>
+          </a:p>
+        </p:txBody>
+      </p:sp>
+      <p:pic>
+        <p:nvPicPr>
+          <p:cNvPr id="325" name="Google Shape;325;p44"/>
+          <p:cNvPicPr preferRelativeResize="0"/>
+          <p:nvPr/>
+        </p:nvPicPr>
+        <p:blipFill>
+          <a:blip r:embed="rId3">
+            <a:alphaModFix/>
+          </a:blip>
+          <a:stretch>
+            <a:fillRect/>
+          </a:stretch>
+        </p:blipFill>
+        <p:spPr>
+          <a:xfrm>
+            <a:off x="2528050" y="2396275"/>
+            <a:ext cx="3665069" cy="2442425"/>
+          </a:xfrm>
+          <a:prstGeom prst="rect">
+            <a:avLst/>
+          </a:prstGeom>
+          <a:noFill/>
+          <a:ln>
+            <a:noFill/>
+          </a:ln>
+        </p:spPr>
+      </p:pic>
     </p:spTree>
   </p:cSld>
   <p:clrMapOvr>
